--- a/cycling data presentation.pptx
+++ b/cycling data presentation.pptx
@@ -259,7 +259,7 @@
           <a:p>
             <a:fld id="{BD7ECBF8-AB41-AA40-934C-D36EC2882F72}" type="datetimeFigureOut">
               <a:rPr kumimoji="1" lang="zh-CN" altLang="en-US" smtClean="0"/>
-              <a:t>2017/11/26</a:t>
+              <a:t>2017/11/28</a:t>
             </a:fld>
             <a:endParaRPr kumimoji="1" lang="zh-CN" altLang="en-US"/>
           </a:p>
@@ -429,7 +429,7 @@
           <a:p>
             <a:fld id="{BD7ECBF8-AB41-AA40-934C-D36EC2882F72}" type="datetimeFigureOut">
               <a:rPr kumimoji="1" lang="zh-CN" altLang="en-US" smtClean="0"/>
-              <a:t>2017/11/26</a:t>
+              <a:t>2017/11/28</a:t>
             </a:fld>
             <a:endParaRPr kumimoji="1" lang="zh-CN" altLang="en-US"/>
           </a:p>
@@ -609,7 +609,7 @@
           <a:p>
             <a:fld id="{BD7ECBF8-AB41-AA40-934C-D36EC2882F72}" type="datetimeFigureOut">
               <a:rPr kumimoji="1" lang="zh-CN" altLang="en-US" smtClean="0"/>
-              <a:t>2017/11/26</a:t>
+              <a:t>2017/11/28</a:t>
             </a:fld>
             <a:endParaRPr kumimoji="1" lang="zh-CN" altLang="en-US"/>
           </a:p>
@@ -779,7 +779,7 @@
           <a:p>
             <a:fld id="{BD7ECBF8-AB41-AA40-934C-D36EC2882F72}" type="datetimeFigureOut">
               <a:rPr kumimoji="1" lang="zh-CN" altLang="en-US" smtClean="0"/>
-              <a:t>2017/11/26</a:t>
+              <a:t>2017/11/28</a:t>
             </a:fld>
             <a:endParaRPr kumimoji="1" lang="zh-CN" altLang="en-US"/>
           </a:p>
@@ -1025,7 +1025,7 @@
           <a:p>
             <a:fld id="{BD7ECBF8-AB41-AA40-934C-D36EC2882F72}" type="datetimeFigureOut">
               <a:rPr kumimoji="1" lang="zh-CN" altLang="en-US" smtClean="0"/>
-              <a:t>2017/11/26</a:t>
+              <a:t>2017/11/28</a:t>
             </a:fld>
             <a:endParaRPr kumimoji="1" lang="zh-CN" altLang="en-US"/>
           </a:p>
@@ -1257,7 +1257,7 @@
           <a:p>
             <a:fld id="{BD7ECBF8-AB41-AA40-934C-D36EC2882F72}" type="datetimeFigureOut">
               <a:rPr kumimoji="1" lang="zh-CN" altLang="en-US" smtClean="0"/>
-              <a:t>2017/11/26</a:t>
+              <a:t>2017/11/28</a:t>
             </a:fld>
             <a:endParaRPr kumimoji="1" lang="zh-CN" altLang="en-US"/>
           </a:p>
@@ -1624,7 +1624,7 @@
           <a:p>
             <a:fld id="{BD7ECBF8-AB41-AA40-934C-D36EC2882F72}" type="datetimeFigureOut">
               <a:rPr kumimoji="1" lang="zh-CN" altLang="en-US" smtClean="0"/>
-              <a:t>2017/11/26</a:t>
+              <a:t>2017/11/28</a:t>
             </a:fld>
             <a:endParaRPr kumimoji="1" lang="zh-CN" altLang="en-US"/>
           </a:p>
@@ -1742,7 +1742,7 @@
           <a:p>
             <a:fld id="{BD7ECBF8-AB41-AA40-934C-D36EC2882F72}" type="datetimeFigureOut">
               <a:rPr kumimoji="1" lang="zh-CN" altLang="en-US" smtClean="0"/>
-              <a:t>2017/11/26</a:t>
+              <a:t>2017/11/28</a:t>
             </a:fld>
             <a:endParaRPr kumimoji="1" lang="zh-CN" altLang="en-US"/>
           </a:p>
@@ -1837,7 +1837,7 @@
           <a:p>
             <a:fld id="{BD7ECBF8-AB41-AA40-934C-D36EC2882F72}" type="datetimeFigureOut">
               <a:rPr kumimoji="1" lang="zh-CN" altLang="en-US" smtClean="0"/>
-              <a:t>2017/11/26</a:t>
+              <a:t>2017/11/28</a:t>
             </a:fld>
             <a:endParaRPr kumimoji="1" lang="zh-CN" altLang="en-US"/>
           </a:p>
@@ -2114,7 +2114,7 @@
           <a:p>
             <a:fld id="{BD7ECBF8-AB41-AA40-934C-D36EC2882F72}" type="datetimeFigureOut">
               <a:rPr kumimoji="1" lang="zh-CN" altLang="en-US" smtClean="0"/>
-              <a:t>2017/11/26</a:t>
+              <a:t>2017/11/28</a:t>
             </a:fld>
             <a:endParaRPr kumimoji="1" lang="zh-CN" altLang="en-US"/>
           </a:p>
@@ -2367,7 +2367,7 @@
           <a:p>
             <a:fld id="{BD7ECBF8-AB41-AA40-934C-D36EC2882F72}" type="datetimeFigureOut">
               <a:rPr kumimoji="1" lang="zh-CN" altLang="en-US" smtClean="0"/>
-              <a:t>2017/11/26</a:t>
+              <a:t>2017/11/28</a:t>
             </a:fld>
             <a:endParaRPr kumimoji="1" lang="zh-CN" altLang="en-US"/>
           </a:p>
@@ -2580,7 +2580,7 @@
           <a:p>
             <a:fld id="{BD7ECBF8-AB41-AA40-934C-D36EC2882F72}" type="datetimeFigureOut">
               <a:rPr kumimoji="1" lang="zh-CN" altLang="en-US" smtClean="0"/>
-              <a:t>2017/11/26</a:t>
+              <a:t>2017/11/28</a:t>
             </a:fld>
             <a:endParaRPr kumimoji="1" lang="zh-CN" altLang="en-US"/>
           </a:p>
@@ -3006,12 +3006,60 @@
           <a:lstStyle/>
           <a:p>
             <a:r>
-              <a:rPr kumimoji="1" lang="en-GB" altLang="zh-CN" dirty="0" smtClean="0">
+              <a:rPr kumimoji="1" lang="en-US" altLang="zh-CN" dirty="0" smtClean="0">
                 <a:latin typeface="Arial" charset="0"/>
                 <a:ea typeface="Arial" charset="0"/>
                 <a:cs typeface="Arial" charset="0"/>
               </a:rPr>
-              <a:t>Analysis on Bike Count Data</a:t>
+              <a:t>Bike</a:t>
+            </a:r>
+            <a:r>
+              <a:rPr kumimoji="1" lang="zh-CN" altLang="en-US" dirty="0" smtClean="0">
+                <a:latin typeface="Arial" charset="0"/>
+                <a:ea typeface="Arial" charset="0"/>
+                <a:cs typeface="Arial" charset="0"/>
+              </a:rPr>
+              <a:t> </a:t>
+            </a:r>
+            <a:r>
+              <a:rPr kumimoji="1" lang="en-US" altLang="zh-CN" dirty="0" smtClean="0">
+                <a:latin typeface="Arial" charset="0"/>
+                <a:ea typeface="Arial" charset="0"/>
+                <a:cs typeface="Arial" charset="0"/>
+              </a:rPr>
+              <a:t>Life</a:t>
+            </a:r>
+            <a:r>
+              <a:rPr kumimoji="1" lang="zh-CN" altLang="en-US" dirty="0" smtClean="0">
+                <a:latin typeface="Arial" charset="0"/>
+                <a:ea typeface="Arial" charset="0"/>
+                <a:cs typeface="Arial" charset="0"/>
+              </a:rPr>
+              <a:t> </a:t>
+            </a:r>
+            <a:r>
+              <a:rPr kumimoji="1" lang="en-US" altLang="zh-CN" dirty="0" smtClean="0">
+                <a:latin typeface="Arial" charset="0"/>
+                <a:ea typeface="Arial" charset="0"/>
+                <a:cs typeface="Arial" charset="0"/>
+              </a:rPr>
+              <a:t>in</a:t>
+            </a:r>
+            <a:r>
+              <a:rPr kumimoji="1" lang="zh-CN" altLang="en-US" dirty="0" smtClean="0">
+                <a:latin typeface="Arial" charset="0"/>
+                <a:ea typeface="Arial" charset="0"/>
+                <a:cs typeface="Arial" charset="0"/>
+              </a:rPr>
+              <a:t> </a:t>
+            </a:r>
+            <a:r>
+              <a:rPr kumimoji="1" lang="en-US" altLang="zh-CN" dirty="0" smtClean="0">
+                <a:latin typeface="Arial" charset="0"/>
+                <a:ea typeface="Arial" charset="0"/>
+                <a:cs typeface="Arial" charset="0"/>
+              </a:rPr>
+              <a:t>Edinburgh</a:t>
             </a:r>
             <a:endParaRPr kumimoji="1" lang="zh-CN" altLang="en-US" dirty="0">
               <a:latin typeface="Arial" charset="0"/>
@@ -3198,13 +3246,11 @@
           <a:p>
             <a:r>
               <a:rPr lang="en-US" altLang="zh-CN" dirty="0" smtClean="0"/>
-              <a:t>Traffic Density</a:t>
-            </a:r>
-          </a:p>
-          <a:p>
+              <a:t>People’s </a:t>
+            </a:r>
             <a:r>
               <a:rPr lang="en-US" altLang="zh-CN" dirty="0" smtClean="0"/>
-              <a:t>People’s cycling </a:t>
+              <a:t>cycling </a:t>
             </a:r>
             <a:r>
               <a:rPr lang="en-US" altLang="zh-CN" dirty="0" err="1" smtClean="0"/>
@@ -3214,8 +3260,18 @@
           </a:p>
           <a:p>
             <a:r>
+              <a:rPr lang="en-US" altLang="zh-CN" dirty="0"/>
+              <a:t>Traffic Density</a:t>
+            </a:r>
+          </a:p>
+          <a:p>
+            <a:r>
               <a:rPr lang="en-GB" altLang="zh-CN" dirty="0" smtClean="0"/>
-              <a:t>“a </a:t>
+              <a:t>“</a:t>
+            </a:r>
+            <a:r>
+              <a:rPr lang="en-GB" altLang="zh-CN" dirty="0" smtClean="0"/>
+              <a:t>a </a:t>
             </a:r>
             <a:r>
               <a:rPr lang="en-GB" altLang="zh-CN" dirty="0"/>
@@ -3223,14 +3279,13 @@
             </a:r>
             <a:r>
               <a:rPr lang="en-GB" altLang="zh-CN" dirty="0" smtClean="0"/>
-              <a:t>city”</a:t>
-            </a:r>
-          </a:p>
-          <a:p>
+              <a:t>city</a:t>
+            </a:r>
+            <a:r>
+              <a:rPr lang="en-GB" altLang="zh-CN" dirty="0" smtClean="0"/>
+              <a:t>”</a:t>
+            </a:r>
             <a:endParaRPr lang="en-GB" altLang="zh-CN" dirty="0" smtClean="0"/>
-          </a:p>
-          <a:p>
-            <a:endParaRPr kumimoji="1" lang="zh-CN" altLang="en-US" dirty="0"/>
           </a:p>
         </p:txBody>
       </p:sp>
@@ -3877,7 +3932,7 @@
           <a:lstStyle/>
           <a:p>
             <a:r>
-              <a:rPr kumimoji="1" lang="en-GB" altLang="zh-CN" smtClean="0">
+              <a:rPr kumimoji="1" lang="en-GB" altLang="zh-CN" dirty="0" smtClean="0">
                 <a:latin typeface="Arial" charset="0"/>
                 <a:ea typeface="Arial" charset="0"/>
                 <a:cs typeface="Arial" charset="0"/>
@@ -3969,20 +4024,86 @@
           <a:lstStyle/>
           <a:p>
             <a:r>
+              <a:rPr kumimoji="1" lang="en-US" altLang="zh-CN" dirty="0" smtClean="0"/>
+              <a:t>New</a:t>
+            </a:r>
+            <a:r>
+              <a:rPr kumimoji="1" lang="zh-CN" altLang="en-US" dirty="0" smtClean="0"/>
+              <a:t> </a:t>
+            </a:r>
+            <a:r>
+              <a:rPr kumimoji="1" lang="en-US" altLang="zh-CN" dirty="0" smtClean="0"/>
+              <a:t>comers</a:t>
+            </a:r>
+            <a:r>
+              <a:rPr kumimoji="1" lang="zh-CN" altLang="en-US" dirty="0" smtClean="0"/>
+              <a:t> </a:t>
+            </a:r>
+            <a:r>
+              <a:rPr kumimoji="1" lang="en-US" altLang="zh-CN" dirty="0" smtClean="0"/>
+              <a:t>-&gt;</a:t>
+            </a:r>
+            <a:r>
+              <a:rPr kumimoji="1" lang="zh-CN" altLang="en-US" dirty="0" smtClean="0"/>
+              <a:t> </a:t>
+            </a:r>
+            <a:r>
+              <a:rPr kumimoji="1" lang="en-US" altLang="zh-CN" dirty="0" smtClean="0"/>
+              <a:t>comics</a:t>
+            </a:r>
+            <a:endParaRPr kumimoji="1" lang="en-US" altLang="zh-CN" dirty="0" smtClean="0"/>
+          </a:p>
+          <a:p>
+            <a:r>
               <a:rPr kumimoji="1" lang="en-GB" altLang="zh-CN" dirty="0" smtClean="0"/>
-              <a:t>Public engagement</a:t>
-            </a:r>
-          </a:p>
-          <a:p>
+              <a:t>Interested </a:t>
+            </a:r>
             <a:r>
               <a:rPr kumimoji="1" lang="en-GB" altLang="zh-CN" dirty="0" smtClean="0"/>
-              <a:t>Interested in cycling data</a:t>
-            </a:r>
-          </a:p>
-          <a:p>
+              <a:t>in cycling </a:t>
+            </a:r>
             <a:r>
               <a:rPr kumimoji="1" lang="en-GB" altLang="zh-CN" dirty="0" smtClean="0"/>
-              <a:t>Cycling campaign  organizer </a:t>
+              <a:t>data</a:t>
+            </a:r>
+            <a:r>
+              <a:rPr kumimoji="1" lang="zh-CN" altLang="en-US" dirty="0" smtClean="0"/>
+              <a:t> </a:t>
+            </a:r>
+            <a:r>
+              <a:rPr kumimoji="1" lang="en-US" altLang="zh-CN" dirty="0" smtClean="0"/>
+              <a:t>-&gt;</a:t>
+            </a:r>
+            <a:r>
+              <a:rPr kumimoji="1" lang="zh-CN" altLang="en-US" dirty="0" smtClean="0"/>
+              <a:t> </a:t>
+            </a:r>
+            <a:r>
+              <a:rPr kumimoji="1" lang="en-US" altLang="zh-CN" dirty="0" smtClean="0"/>
+              <a:t>line</a:t>
+            </a:r>
+            <a:r>
+              <a:rPr kumimoji="1" lang="zh-CN" altLang="en-US" dirty="0" smtClean="0"/>
+              <a:t> </a:t>
+            </a:r>
+            <a:r>
+              <a:rPr kumimoji="1" lang="en-US" altLang="zh-CN" dirty="0" smtClean="0"/>
+              <a:t>chart</a:t>
+            </a:r>
+            <a:endParaRPr kumimoji="1" lang="en-GB" altLang="zh-CN" dirty="0" smtClean="0"/>
+          </a:p>
+          <a:p>
+            <a:r>
+              <a:rPr kumimoji="1" lang="en-GB" altLang="zh-CN" dirty="0" smtClean="0"/>
+              <a:t>Cycling </a:t>
+            </a:r>
+            <a:r>
+              <a:rPr kumimoji="1" lang="en-GB" altLang="zh-CN" dirty="0" smtClean="0"/>
+              <a:t>campaign </a:t>
+            </a:r>
+            <a:r>
+              <a:rPr kumimoji="1" lang="en-GB" altLang="zh-CN" dirty="0" smtClean="0"/>
+              <a:t>organizer </a:t>
             </a:r>
             <a:endParaRPr kumimoji="1" lang="zh-CN" altLang="en-US" dirty="0"/>
           </a:p>
